--- a/Français/4. Analysing data/2.Filter.pptx
+++ b/Français/4. Analysing data/2.Filter.pptx
@@ -213,7 +213,7 @@
           <a:p>
             <a:fld id="{056BA3B8-9F76-4D81-B71D-76CB85363062}" type="datetimeFigureOut">
               <a:rPr lang="en-US" smtClean="0"/>
-              <a:t>2/26/2025</a:t>
+              <a:t>3/5/2025</a:t>
             </a:fld>
             <a:endParaRPr lang="en-US"/>
           </a:p>
@@ -612,7 +612,7 @@
           <a:p>
             <a:fld id="{6F01DA4D-20EA-48D2-973C-0311EC3005D6}" type="datetimeFigureOut">
               <a:rPr lang="en-US" smtClean="0"/>
-              <a:t>2/26/2025</a:t>
+              <a:t>3/5/2025</a:t>
             </a:fld>
             <a:endParaRPr lang="en-US"/>
           </a:p>
@@ -782,7 +782,7 @@
           <a:p>
             <a:fld id="{6F01DA4D-20EA-48D2-973C-0311EC3005D6}" type="datetimeFigureOut">
               <a:rPr lang="en-US" smtClean="0"/>
-              <a:t>2/26/2025</a:t>
+              <a:t>3/5/2025</a:t>
             </a:fld>
             <a:endParaRPr lang="en-US"/>
           </a:p>
@@ -962,7 +962,7 @@
           <a:p>
             <a:fld id="{6F01DA4D-20EA-48D2-973C-0311EC3005D6}" type="datetimeFigureOut">
               <a:rPr lang="en-US" smtClean="0"/>
-              <a:t>2/26/2025</a:t>
+              <a:t>3/5/2025</a:t>
             </a:fld>
             <a:endParaRPr lang="en-US"/>
           </a:p>
@@ -1132,7 +1132,7 @@
           <a:p>
             <a:fld id="{6F01DA4D-20EA-48D2-973C-0311EC3005D6}" type="datetimeFigureOut">
               <a:rPr lang="en-US" smtClean="0"/>
-              <a:t>2/26/2025</a:t>
+              <a:t>3/5/2025</a:t>
             </a:fld>
             <a:endParaRPr lang="en-US"/>
           </a:p>
@@ -1378,7 +1378,7 @@
           <a:p>
             <a:fld id="{6F01DA4D-20EA-48D2-973C-0311EC3005D6}" type="datetimeFigureOut">
               <a:rPr lang="en-US" smtClean="0"/>
-              <a:t>2/26/2025</a:t>
+              <a:t>3/5/2025</a:t>
             </a:fld>
             <a:endParaRPr lang="en-US"/>
           </a:p>
@@ -1610,7 +1610,7 @@
           <a:p>
             <a:fld id="{6F01DA4D-20EA-48D2-973C-0311EC3005D6}" type="datetimeFigureOut">
               <a:rPr lang="en-US" smtClean="0"/>
-              <a:t>2/26/2025</a:t>
+              <a:t>3/5/2025</a:t>
             </a:fld>
             <a:endParaRPr lang="en-US"/>
           </a:p>
@@ -1977,7 +1977,7 @@
           <a:p>
             <a:fld id="{6F01DA4D-20EA-48D2-973C-0311EC3005D6}" type="datetimeFigureOut">
               <a:rPr lang="en-US" smtClean="0"/>
-              <a:t>2/26/2025</a:t>
+              <a:t>3/5/2025</a:t>
             </a:fld>
             <a:endParaRPr lang="en-US"/>
           </a:p>
@@ -2095,7 +2095,7 @@
           <a:p>
             <a:fld id="{6F01DA4D-20EA-48D2-973C-0311EC3005D6}" type="datetimeFigureOut">
               <a:rPr lang="en-US" smtClean="0"/>
-              <a:t>2/26/2025</a:t>
+              <a:t>3/5/2025</a:t>
             </a:fld>
             <a:endParaRPr lang="en-US"/>
           </a:p>
@@ -2190,7 +2190,7 @@
           <a:p>
             <a:fld id="{6F01DA4D-20EA-48D2-973C-0311EC3005D6}" type="datetimeFigureOut">
               <a:rPr lang="en-US" smtClean="0"/>
-              <a:t>2/26/2025</a:t>
+              <a:t>3/5/2025</a:t>
             </a:fld>
             <a:endParaRPr lang="en-US"/>
           </a:p>
@@ -2467,7 +2467,7 @@
           <a:p>
             <a:fld id="{6F01DA4D-20EA-48D2-973C-0311EC3005D6}" type="datetimeFigureOut">
               <a:rPr lang="en-US" smtClean="0"/>
-              <a:t>2/26/2025</a:t>
+              <a:t>3/5/2025</a:t>
             </a:fld>
             <a:endParaRPr lang="en-US"/>
           </a:p>
@@ -2720,7 +2720,7 @@
           <a:p>
             <a:fld id="{6F01DA4D-20EA-48D2-973C-0311EC3005D6}" type="datetimeFigureOut">
               <a:rPr lang="en-US" smtClean="0"/>
-              <a:t>2/26/2025</a:t>
+              <a:t>3/5/2025</a:t>
             </a:fld>
             <a:endParaRPr lang="en-US"/>
           </a:p>
@@ -2933,7 +2933,7 @@
           <a:p>
             <a:fld id="{6F01DA4D-20EA-48D2-973C-0311EC3005D6}" type="datetimeFigureOut">
               <a:rPr lang="en-US" smtClean="0"/>
-              <a:t>2/26/2025</a:t>
+              <a:t>3/5/2025</a:t>
             </a:fld>
             <a:endParaRPr lang="en-US"/>
           </a:p>
@@ -6682,7 +6682,7 @@
         <p:spPr bwMode="auto">
           <a:xfrm>
             <a:off x="316833" y="792551"/>
-            <a:ext cx="11793613" cy="400110"/>
+            <a:ext cx="11351184" cy="400110"/>
           </a:xfrm>
           <a:prstGeom prst="rect">
             <a:avLst/>
@@ -6770,7 +6770,46 @@
                 <a:effectLst/>
                 <a:latin typeface="Arial" panose="020B0604020202020204" pitchFamily="34" charset="0"/>
               </a:rPr>
-              <a:t>Ce laboratoire utilise le fichier </a:t>
+              <a:t>Cet</a:t>
+            </a:r>
+            <a:r>
+              <a:rPr kumimoji="0" lang="fr-FR" altLang="en-US" sz="2000" b="0" i="0" u="none" strike="noStrike" cap="none" normalizeH="0" dirty="0" smtClean="0">
+                <a:ln>
+                  <a:noFill/>
+                </a:ln>
+                <a:solidFill>
+                  <a:schemeClr val="tx1"/>
+                </a:solidFill>
+                <a:effectLst/>
+                <a:latin typeface="Arial" panose="020B0604020202020204" pitchFamily="34" charset="0"/>
+              </a:rPr>
+              <a:t> atelier </a:t>
+            </a:r>
+            <a:r>
+              <a:rPr kumimoji="0" lang="fr-FR" altLang="en-US" sz="2000" b="0" i="0" u="none" strike="noStrike" cap="none" normalizeH="0" baseline="0" dirty="0" smtClean="0">
+                <a:ln>
+                  <a:noFill/>
+                </a:ln>
+                <a:solidFill>
+                  <a:schemeClr val="tx1"/>
+                </a:solidFill>
+                <a:effectLst/>
+                <a:latin typeface="Arial" panose="020B0604020202020204" pitchFamily="34" charset="0"/>
+              </a:rPr>
+              <a:t>utilise </a:t>
+            </a:r>
+            <a:r>
+              <a:rPr kumimoji="0" lang="fr-FR" altLang="en-US" sz="2000" b="0" i="0" u="none" strike="noStrike" cap="none" normalizeH="0" baseline="0" dirty="0" smtClean="0">
+                <a:ln>
+                  <a:noFill/>
+                </a:ln>
+                <a:solidFill>
+                  <a:schemeClr val="tx1"/>
+                </a:solidFill>
+                <a:effectLst/>
+                <a:latin typeface="Arial" panose="020B0604020202020204" pitchFamily="34" charset="0"/>
+              </a:rPr>
+              <a:t>le fichier </a:t>
             </a:r>
             <a:r>
               <a:rPr kumimoji="0" lang="fr-FR" altLang="en-US" sz="2000" b="1" i="0" u="none" strike="noStrike" cap="none" normalizeH="0" baseline="0" dirty="0" smtClean="0">
@@ -6847,10 +6886,10 @@
                 <a:effectLst/>
                 <a:latin typeface="Arial Unicode MS"/>
               </a:rPr>
-              <a:t> and </a:t>
-            </a:r>
-            <a:r>
-              <a:rPr kumimoji="0" lang="fr-FR" altLang="en-US" sz="2000" b="1" i="0" u="none" strike="noStrike" cap="none" normalizeH="0" baseline="0" dirty="0" err="1" smtClean="0">
+              <a:t> </a:t>
+            </a:r>
+            <a:r>
+              <a:rPr kumimoji="0" lang="fr-FR" altLang="en-US" sz="2000" b="1" i="0" u="none" strike="noStrike" cap="none" normalizeH="0" baseline="0" dirty="0" smtClean="0">
                 <a:ln>
                   <a:noFill/>
                 </a:ln>
@@ -6860,7 +6899,7 @@
                 <a:effectLst/>
                 <a:latin typeface="Arial Unicode MS"/>
               </a:rPr>
-              <a:t>Filter</a:t>
+              <a:t>et Filtre</a:t>
             </a:r>
             <a:r>
               <a:rPr kumimoji="0" lang="fr-FR" altLang="en-US" sz="2000" b="0" i="0" u="none" strike="noStrike" cap="none" normalizeH="0" baseline="0" dirty="0" smtClean="0">
@@ -6963,7 +7002,7 @@
               <a:tabLst/>
             </a:pPr>
             <a:r>
-              <a:rPr kumimoji="0" lang="fr-FR" altLang="en-US" sz="2000" b="1" i="0" u="none" strike="noStrike" cap="none" normalizeH="0" baseline="0" dirty="0" smtClean="0">
+              <a:rPr kumimoji="0" lang="fr-FR" altLang="en-US" sz="2000" i="0" u="none" strike="noStrike" cap="none" normalizeH="0" baseline="0" dirty="0" smtClean="0">
                 <a:ln>
                   <a:noFill/>
                 </a:ln>
@@ -7234,7 +7273,7 @@
               <a:tabLst/>
             </a:pPr>
             <a:r>
-              <a:rPr kumimoji="0" lang="en-US" altLang="en-US" sz="2000" b="1" i="0" u="none" strike="noStrike" cap="none" normalizeH="0" baseline="0" smtClean="0">
+              <a:rPr kumimoji="0" lang="en-US" altLang="en-US" sz="2000" b="1" i="0" u="none" strike="noStrike" cap="none" normalizeH="0" baseline="0" dirty="0" err="1" smtClean="0">
                 <a:ln>
                   <a:noFill/>
                 </a:ln>
@@ -7247,7 +7286,7 @@
               <a:t>Vérifiez</a:t>
             </a:r>
             <a:r>
-              <a:rPr kumimoji="0" lang="en-US" altLang="en-US" sz="2000" b="0" i="0" u="none" strike="noStrike" cap="none" normalizeH="0" baseline="0" smtClean="0">
+              <a:rPr kumimoji="0" lang="en-US" altLang="en-US" sz="2000" b="0" i="0" u="none" strike="noStrike" cap="none" normalizeH="0" baseline="0" dirty="0" smtClean="0">
                 <a:ln>
                   <a:noFill/>
                 </a:ln>
@@ -7260,7 +7299,7 @@
               <a:t> que la </a:t>
             </a:r>
             <a:r>
-              <a:rPr kumimoji="0" lang="en-US" altLang="en-US" sz="2000" b="1" i="0" u="none" strike="noStrike" cap="none" normalizeH="0" baseline="0" smtClean="0">
+              <a:rPr kumimoji="0" lang="en-US" altLang="en-US" sz="2000" b="1" i="0" u="none" strike="noStrike" cap="none" normalizeH="0" baseline="0" dirty="0" smtClean="0">
                 <a:ln>
                   <a:noFill/>
                 </a:ln>
@@ -7273,7 +7312,7 @@
               <a:t>relation entre </a:t>
             </a:r>
             <a:r>
-              <a:rPr kumimoji="0" lang="en-US" altLang="en-US" sz="2000" b="1" i="0" u="none" strike="noStrike" cap="none" normalizeH="0" baseline="0" smtClean="0">
+              <a:rPr kumimoji="0" lang="en-US" altLang="en-US" sz="2000" b="1" i="0" u="none" strike="noStrike" cap="none" normalizeH="0" baseline="0" dirty="0" smtClean="0">
                 <a:ln>
                   <a:noFill/>
                 </a:ln>
@@ -7286,7 +7325,7 @@
               <a:t>continent</a:t>
             </a:r>
             <a:r>
-              <a:rPr kumimoji="0" lang="en-US" altLang="en-US" sz="2000" b="1" i="0" u="none" strike="noStrike" cap="none" normalizeH="0" baseline="0" smtClean="0">
+              <a:rPr kumimoji="0" lang="en-US" altLang="en-US" sz="2000" b="1" i="0" u="none" strike="noStrike" cap="none" normalizeH="0" baseline="0" dirty="0" smtClean="0">
                 <a:ln>
                   <a:noFill/>
                 </a:ln>
@@ -7298,7 +7337,7 @@
               <a:t> et </a:t>
             </a:r>
             <a:r>
-              <a:rPr kumimoji="0" lang="en-US" altLang="en-US" sz="2000" b="1" i="0" u="none" strike="noStrike" cap="none" normalizeH="0" baseline="0" smtClean="0">
+              <a:rPr kumimoji="0" lang="en-US" altLang="en-US" sz="2000" b="1" i="0" u="none" strike="noStrike" cap="none" normalizeH="0" baseline="0" dirty="0" err="1" smtClean="0">
                 <a:ln>
                   <a:noFill/>
                 </a:ln>
@@ -7308,21 +7347,106 @@
                 <a:effectLst/>
                 <a:latin typeface="Arial Unicode MS"/>
               </a:rPr>
-              <a:t>gdp 2018</a:t>
-            </a:r>
-            <a:r>
-              <a:rPr kumimoji="0" lang="en-US" altLang="en-US" sz="2000" b="0" i="0" u="none" strike="noStrike" cap="none" normalizeH="0" baseline="0" smtClean="0">
-                <a:ln>
-                  <a:noFill/>
-                </a:ln>
-                <a:solidFill>
-                  <a:schemeClr val="tx1"/>
-                </a:solidFill>
-                <a:effectLst/>
-              </a:rPr>
-              <a:t> est bien établie. </a:t>
-            </a:r>
-            <a:endParaRPr kumimoji="0" lang="en-US" altLang="en-US" sz="2000" b="0" i="0" u="none" strike="noStrike" cap="none" normalizeH="0" baseline="0" smtClean="0">
+              <a:t>gdp</a:t>
+            </a:r>
+            <a:r>
+              <a:rPr kumimoji="0" lang="en-US" altLang="en-US" sz="2000" b="1" i="0" u="none" strike="noStrike" cap="none" normalizeH="0" baseline="0" dirty="0" smtClean="0">
+                <a:ln>
+                  <a:noFill/>
+                </a:ln>
+                <a:solidFill>
+                  <a:schemeClr val="tx1"/>
+                </a:solidFill>
+                <a:effectLst/>
+                <a:latin typeface="Arial Unicode MS"/>
+              </a:rPr>
+              <a:t> 2018</a:t>
+            </a:r>
+            <a:r>
+              <a:rPr kumimoji="0" lang="en-US" altLang="en-US" sz="2000" b="0" i="0" u="none" strike="noStrike" cap="none" normalizeH="0" baseline="0" dirty="0" smtClean="0">
+                <a:ln>
+                  <a:noFill/>
+                </a:ln>
+                <a:solidFill>
+                  <a:schemeClr val="tx1"/>
+                </a:solidFill>
+                <a:effectLst/>
+              </a:rPr>
+              <a:t> </a:t>
+            </a:r>
+            <a:r>
+              <a:rPr kumimoji="0" lang="en-US" altLang="en-US" sz="2000" b="0" i="0" u="none" strike="noStrike" cap="none" normalizeH="0" baseline="0" dirty="0" err="1" smtClean="0">
+                <a:ln>
+                  <a:noFill/>
+                </a:ln>
+                <a:solidFill>
+                  <a:schemeClr val="tx1"/>
+                </a:solidFill>
+                <a:effectLst/>
+              </a:rPr>
+              <a:t>est</a:t>
+            </a:r>
+            <a:r>
+              <a:rPr kumimoji="0" lang="en-US" altLang="en-US" sz="2000" b="0" i="0" u="none" strike="noStrike" cap="none" normalizeH="0" baseline="0" dirty="0" smtClean="0">
+                <a:ln>
+                  <a:noFill/>
+                </a:ln>
+                <a:solidFill>
+                  <a:schemeClr val="tx1"/>
+                </a:solidFill>
+                <a:effectLst/>
+              </a:rPr>
+              <a:t> </a:t>
+            </a:r>
+            <a:r>
+              <a:rPr kumimoji="0" lang="en-US" altLang="en-US" sz="2000" b="0" i="0" u="none" strike="noStrike" cap="none" normalizeH="0" baseline="0" dirty="0" err="1" smtClean="0">
+                <a:ln>
+                  <a:noFill/>
+                </a:ln>
+                <a:solidFill>
+                  <a:schemeClr val="tx1"/>
+                </a:solidFill>
+                <a:effectLst/>
+              </a:rPr>
+              <a:t>bien</a:t>
+            </a:r>
+            <a:r>
+              <a:rPr kumimoji="0" lang="en-US" altLang="en-US" sz="2000" b="0" i="0" u="none" strike="noStrike" cap="none" normalizeH="0" baseline="0" dirty="0" smtClean="0">
+                <a:ln>
+                  <a:noFill/>
+                </a:ln>
+                <a:solidFill>
+                  <a:schemeClr val="tx1"/>
+                </a:solidFill>
+                <a:effectLst/>
+              </a:rPr>
+              <a:t> </a:t>
+            </a:r>
+            <a:r>
+              <a:rPr kumimoji="0" lang="en-US" altLang="en-US" sz="2000" b="0" i="0" u="none" strike="noStrike" cap="none" normalizeH="0" baseline="0" dirty="0" err="1" smtClean="0">
+                <a:ln>
+                  <a:noFill/>
+                </a:ln>
+                <a:solidFill>
+                  <a:schemeClr val="tx1"/>
+                </a:solidFill>
+                <a:effectLst/>
+              </a:rPr>
+              <a:t>établie</a:t>
+            </a:r>
+            <a:r>
+              <a:rPr kumimoji="0" lang="en-US" altLang="en-US" sz="2000" b="0" i="0" u="none" strike="noStrike" cap="none" normalizeH="0" baseline="0" dirty="0" smtClean="0">
+                <a:ln>
+                  <a:noFill/>
+                </a:ln>
+                <a:solidFill>
+                  <a:schemeClr val="tx1"/>
+                </a:solidFill>
+                <a:effectLst/>
+              </a:rPr>
+              <a:t>. </a:t>
+            </a:r>
+            <a:endParaRPr kumimoji="0" lang="en-US" altLang="en-US" sz="2000" b="0" i="0" u="none" strike="noStrike" cap="none" normalizeH="0" baseline="0" dirty="0" smtClean="0">
               <a:ln>
                 <a:noFill/>
               </a:ln>
@@ -7735,8 +7859,8 @@
               <a:t>Continent </a:t>
             </a:r>
             <a:r>
-              <a:rPr lang="fr-FR" sz="2000" dirty="0" err="1"/>
-              <a:t>Details</a:t>
+              <a:rPr lang="fr-FR" sz="2000" dirty="0" smtClean="0"/>
+              <a:t>Détails</a:t>
             </a:r>
             <a:endParaRPr lang="fr-FR" sz="2000" dirty="0"/>
           </a:p>
@@ -7936,15 +8060,7 @@
                 <a:ea typeface="Calibri" panose="020F0502020204030204" pitchFamily="34" charset="0"/>
                 <a:cs typeface="Times New Roman" panose="02020603050405020304" pitchFamily="18" charset="0"/>
               </a:rPr>
-              <a:t>à la page</a:t>
-            </a:r>
-            <a:r>
-              <a:rPr lang="en-US" dirty="0" smtClean="0">
-                <a:latin typeface="Segoe UI" panose="020B0502040204020203" pitchFamily="34" charset="0"/>
-                <a:ea typeface="Calibri" panose="020F0502020204030204" pitchFamily="34" charset="0"/>
-                <a:cs typeface="Times New Roman" panose="02020603050405020304" pitchFamily="18" charset="0"/>
-              </a:rPr>
-              <a:t> </a:t>
+              <a:t>à la page </a:t>
             </a:r>
             <a:r>
               <a:rPr lang="en-US" b="1" dirty="0" smtClean="0">
@@ -8442,15 +8558,7 @@
                 <a:ea typeface="Calibri" panose="020F0502020204030204" pitchFamily="34" charset="0"/>
                 <a:cs typeface="Times New Roman" panose="02020603050405020304" pitchFamily="18" charset="0"/>
               </a:rPr>
-              <a:t> </a:t>
-            </a:r>
-            <a:r>
-              <a:rPr lang="en-US" b="1" dirty="0" smtClean="0">
-                <a:latin typeface="Segoe UI" panose="020B0502040204020203" pitchFamily="34" charset="0"/>
-                <a:ea typeface="Calibri" panose="020F0502020204030204" pitchFamily="34" charset="0"/>
-                <a:cs typeface="Times New Roman" panose="02020603050405020304" pitchFamily="18" charset="0"/>
-              </a:rPr>
-              <a:t>Filled Map Visual </a:t>
+              <a:t> Filled Map Visual </a:t>
             </a:r>
             <a:r>
               <a:rPr lang="en-US" dirty="0" smtClean="0">
@@ -9186,14 +9294,14 @@
               </a:spcAft>
             </a:pPr>
             <a:r>
-              <a:rPr lang="en-US" dirty="0" smtClean="0">
+              <a:rPr lang="fr-FR" dirty="0" smtClean="0">
                 <a:latin typeface="Segoe UI" panose="020B0502040204020203" pitchFamily="34" charset="0"/>
                 <a:ea typeface="Calibri" panose="020F0502020204030204" pitchFamily="34" charset="0"/>
                 <a:cs typeface="Times New Roman" panose="02020603050405020304" pitchFamily="18" charset="0"/>
               </a:rPr>
-              <a:t>Note when a visual is selected the Filters pane shows a third filter level, that of the visual</a:t>
-            </a:r>
-            <a:endParaRPr lang="en-US" sz="1400" dirty="0">
+              <a:t>Notez lorsque un Visual est sélectionné un troisième niveau de filtrer apparaît </a:t>
+            </a:r>
+            <a:endParaRPr lang="fr-FR" sz="1400" dirty="0">
               <a:effectLst/>
               <a:latin typeface="Calibri" panose="020F0502020204030204" pitchFamily="34" charset="0"/>
               <a:ea typeface="Calibri" panose="020F0502020204030204" pitchFamily="34" charset="0"/>
